--- a/Introduction to Azure Machine Learning - spanish.pptx
+++ b/Introduction to Azure Machine Learning - spanish.pptx
@@ -6,22 +6,21 @@
     <p:sldMasterId id="2147483708" r:id="rId2"/>
   </p:sldMasterIdLst>
   <p:notesMasterIdLst>
-    <p:notesMasterId r:id="rId16"/>
+    <p:notesMasterId r:id="rId15"/>
   </p:notesMasterIdLst>
   <p:sldIdLst>
-    <p:sldId id="278" r:id="rId3"/>
-    <p:sldId id="273" r:id="rId4"/>
-    <p:sldId id="257" r:id="rId5"/>
-    <p:sldId id="258" r:id="rId6"/>
-    <p:sldId id="275" r:id="rId7"/>
-    <p:sldId id="277" r:id="rId8"/>
-    <p:sldId id="260" r:id="rId9"/>
-    <p:sldId id="262" r:id="rId10"/>
-    <p:sldId id="259" r:id="rId11"/>
-    <p:sldId id="263" r:id="rId12"/>
-    <p:sldId id="264" r:id="rId13"/>
-    <p:sldId id="272" r:id="rId14"/>
-    <p:sldId id="276" r:id="rId15"/>
+    <p:sldId id="273" r:id="rId3"/>
+    <p:sldId id="257" r:id="rId4"/>
+    <p:sldId id="258" r:id="rId5"/>
+    <p:sldId id="275" r:id="rId6"/>
+    <p:sldId id="277" r:id="rId7"/>
+    <p:sldId id="260" r:id="rId8"/>
+    <p:sldId id="262" r:id="rId9"/>
+    <p:sldId id="259" r:id="rId10"/>
+    <p:sldId id="263" r:id="rId11"/>
+    <p:sldId id="264" r:id="rId12"/>
+    <p:sldId id="272" r:id="rId13"/>
+    <p:sldId id="276" r:id="rId14"/>
   </p:sldIdLst>
   <p:sldSz cx="12192000" cy="6858000"/>
   <p:notesSz cx="6858000" cy="9144000"/>
@@ -210,7 +209,7 @@
           <a:p>
             <a:fld id="{7E402BD2-B4BA-4330-8747-1DB2D9EC268B}" type="datetimeFigureOut">
               <a:rPr lang="en-US" smtClean="0"/>
-              <a:t>19/08/2015</a:t>
+              <a:t>03/10/2015</a:t>
             </a:fld>
             <a:endParaRPr lang="en-US"/>
           </a:p>
@@ -543,7 +542,7 @@
           <a:p>
             <a:fld id="{E8E0C7AF-2660-414A-86BE-5271509D8324}" type="slidenum">
               <a:rPr lang="en-US" smtClean="0"/>
-              <a:t>3</a:t>
+              <a:t>2</a:t>
             </a:fld>
             <a:endParaRPr lang="en-US"/>
           </a:p>
@@ -718,7 +717,7 @@
           <a:p>
             <a:fld id="{E8E0C7AF-2660-414A-86BE-5271509D8324}" type="slidenum">
               <a:rPr lang="en-US" smtClean="0"/>
-              <a:t>5</a:t>
+              <a:t>4</a:t>
             </a:fld>
             <a:endParaRPr lang="en-US"/>
           </a:p>
@@ -802,7 +801,7 @@
           <a:p>
             <a:fld id="{E8E0C7AF-2660-414A-86BE-5271509D8324}" type="slidenum">
               <a:rPr lang="en-US" smtClean="0"/>
-              <a:t>6</a:t>
+              <a:t>5</a:t>
             </a:fld>
             <a:endParaRPr lang="en-US"/>
           </a:p>
@@ -928,7 +927,7 @@
           <a:p>
             <a:fld id="{E8E0C7AF-2660-414A-86BE-5271509D8324}" type="slidenum">
               <a:rPr lang="en-US" smtClean="0"/>
-              <a:t>7</a:t>
+              <a:t>6</a:t>
             </a:fld>
             <a:endParaRPr lang="en-US"/>
           </a:p>
@@ -1016,7 +1015,7 @@
           <a:p>
             <a:fld id="{E8E0C7AF-2660-414A-86BE-5271509D8324}" type="slidenum">
               <a:rPr lang="en-US" smtClean="0"/>
-              <a:t>8</a:t>
+              <a:t>7</a:t>
             </a:fld>
             <a:endParaRPr lang="en-US"/>
           </a:p>
@@ -1112,7 +1111,7 @@
           <a:p>
             <a:fld id="{F3B6C9A0-4BDD-4464-A945-E32AEE347D91}" type="slidenum">
               <a:rPr lang="en-US" smtClean="0"/>
-              <a:t>10</a:t>
+              <a:t>9</a:t>
             </a:fld>
             <a:endParaRPr lang="en-US"/>
           </a:p>
@@ -1228,7 +1227,7 @@
           <a:p>
             <a:fld id="{F3B6C9A0-4BDD-4464-A945-E32AEE347D91}" type="slidenum">
               <a:rPr lang="en-US" smtClean="0"/>
-              <a:t>11</a:t>
+              <a:t>10</a:t>
             </a:fld>
             <a:endParaRPr lang="en-US"/>
           </a:p>
@@ -1312,7 +1311,7 @@
           <a:p>
             <a:fld id="{E8E0C7AF-2660-414A-86BE-5271509D8324}" type="slidenum">
               <a:rPr lang="en-US" smtClean="0"/>
-              <a:t>12</a:t>
+              <a:t>11</a:t>
             </a:fld>
             <a:endParaRPr lang="en-US"/>
           </a:p>
@@ -1396,7 +1395,7 @@
           <a:p>
             <a:fld id="{E8E0C7AF-2660-414A-86BE-5271509D8324}" type="slidenum">
               <a:rPr lang="en-US" smtClean="0"/>
-              <a:t>13</a:t>
+              <a:t>12</a:t>
             </a:fld>
             <a:endParaRPr lang="en-US"/>
           </a:p>
@@ -18613,7 +18612,7 @@
           <a:p>
             <a:fld id="{70D5C55E-1E1D-4EFE-8DF0-7DF6077102C2}" type="datetimeFigureOut">
               <a:rPr lang="en-US" smtClean="0"/>
-              <a:t>19/08/2015</a:t>
+              <a:t>03/10/2015</a:t>
             </a:fld>
             <a:endParaRPr lang="en-US"/>
           </a:p>
@@ -18875,7 +18874,7 @@
           <a:p>
             <a:fld id="{70D5C55E-1E1D-4EFE-8DF0-7DF6077102C2}" type="datetimeFigureOut">
               <a:rPr lang="en-US" smtClean="0"/>
-              <a:t>19/08/2015</a:t>
+              <a:t>03/10/2015</a:t>
             </a:fld>
             <a:endParaRPr lang="en-US"/>
           </a:p>
@@ -27446,7 +27445,159 @@
       </p:grpSpPr>
       <p:sp>
         <p:nvSpPr>
-          <p:cNvPr id="2" name="Title 1"/>
+          <p:cNvPr id="3" name="Rectangle 2"/>
+          <p:cNvSpPr/>
+          <p:nvPr/>
+        </p:nvSpPr>
+        <p:spPr bwMode="auto">
+          <a:xfrm>
+            <a:off x="283102" y="1206121"/>
+            <a:ext cx="10961547" cy="3299204"/>
+          </a:xfrm>
+          <a:prstGeom prst="rect">
+            <a:avLst/>
+          </a:prstGeom>
+          <a:solidFill>
+            <a:schemeClr val="accent1"/>
+          </a:solidFill>
+          <a:ln>
+            <a:noFill/>
+            <a:headEnd type="none" w="med" len="med"/>
+            <a:tailEnd type="none" w="med" len="med"/>
+          </a:ln>
+          <a:effectLst/>
+        </p:spPr>
+        <p:style>
+          <a:lnRef idx="1">
+            <a:schemeClr val="accent2"/>
+          </a:lnRef>
+          <a:fillRef idx="3">
+            <a:schemeClr val="accent2"/>
+          </a:fillRef>
+          <a:effectRef idx="2">
+            <a:schemeClr val="accent2"/>
+          </a:effectRef>
+          <a:fontRef idx="minor">
+            <a:schemeClr val="lt1"/>
+          </a:fontRef>
+        </p:style>
+        <p:txBody>
+          <a:bodyPr rot="0" spcFirstLastPara="0" vertOverflow="overflow" horzOverflow="overflow" vert="horz" wrap="square" lIns="182880" tIns="146304" rIns="182880" bIns="146304" numCol="1" spcCol="0" rtlCol="0" fromWordArt="0" anchor="t" anchorCtr="0" forceAA="0" compatLnSpc="1">
+            <a:prstTxWarp prst="textNoShape">
+              <a:avLst/>
+            </a:prstTxWarp>
+            <a:noAutofit/>
+          </a:bodyPr>
+          <a:lstStyle/>
+          <a:p>
+            <a:pPr algn="ctr" defTabSz="932472" fontAlgn="base">
+              <a:lnSpc>
+                <a:spcPct val="90000"/>
+              </a:lnSpc>
+              <a:spcBef>
+                <a:spcPct val="0"/>
+              </a:spcBef>
+              <a:spcAft>
+                <a:spcPct val="0"/>
+              </a:spcAft>
+            </a:pPr>
+            <a:endParaRPr lang="en-US" sz="2400" dirty="0" err="1" smtClean="0">
+              <a:gradFill>
+                <a:gsLst>
+                  <a:gs pos="0">
+                    <a:srgbClr val="FFFFFF"/>
+                  </a:gs>
+                  <a:gs pos="100000">
+                    <a:srgbClr val="FFFFFF"/>
+                  </a:gs>
+                </a:gsLst>
+                <a:lin ang="5400000" scaled="0"/>
+              </a:gradFill>
+              <a:ea typeface="Segoe UI" pitchFamily="34" charset="0"/>
+              <a:cs typeface="Segoe UI" pitchFamily="34" charset="0"/>
+            </a:endParaRPr>
+          </a:p>
+        </p:txBody>
+      </p:sp>
+      <p:sp>
+        <p:nvSpPr>
+          <p:cNvPr id="2" name="Rectangle 1"/>
+          <p:cNvSpPr/>
+          <p:nvPr/>
+        </p:nvSpPr>
+        <p:spPr bwMode="auto">
+          <a:xfrm>
+            <a:off x="283102" y="1206121"/>
+            <a:ext cx="6174847" cy="3299204"/>
+          </a:xfrm>
+          <a:prstGeom prst="rect">
+            <a:avLst/>
+          </a:prstGeom>
+          <a:solidFill>
+            <a:schemeClr val="accent1"/>
+          </a:solidFill>
+          <a:ln>
+            <a:noFill/>
+            <a:headEnd type="none" w="med" len="med"/>
+            <a:tailEnd type="none" w="med" len="med"/>
+          </a:ln>
+          <a:effectLst/>
+        </p:spPr>
+        <p:style>
+          <a:lnRef idx="1">
+            <a:schemeClr val="accent2"/>
+          </a:lnRef>
+          <a:fillRef idx="3">
+            <a:schemeClr val="accent2"/>
+          </a:fillRef>
+          <a:effectRef idx="2">
+            <a:schemeClr val="accent2"/>
+          </a:effectRef>
+          <a:fontRef idx="minor">
+            <a:schemeClr val="lt1"/>
+          </a:fontRef>
+        </p:style>
+        <p:txBody>
+          <a:bodyPr rot="0" spcFirstLastPara="0" vertOverflow="overflow" horzOverflow="overflow" vert="horz" wrap="square" lIns="182880" tIns="146304" rIns="182880" bIns="146304" numCol="1" spcCol="0" rtlCol="0" fromWordArt="0" anchor="t" anchorCtr="0" forceAA="0" compatLnSpc="1">
+            <a:prstTxWarp prst="textNoShape">
+              <a:avLst/>
+            </a:prstTxWarp>
+            <a:noAutofit/>
+          </a:bodyPr>
+          <a:lstStyle/>
+          <a:p>
+            <a:pPr algn="ctr" defTabSz="932472" fontAlgn="base">
+              <a:lnSpc>
+                <a:spcPct val="90000"/>
+              </a:lnSpc>
+              <a:spcBef>
+                <a:spcPct val="0"/>
+              </a:spcBef>
+              <a:spcAft>
+                <a:spcPct val="0"/>
+              </a:spcAft>
+            </a:pPr>
+            <a:endParaRPr lang="en-US" sz="2400" dirty="0" err="1" smtClean="0">
+              <a:gradFill>
+                <a:gsLst>
+                  <a:gs pos="0">
+                    <a:srgbClr val="FFFFFF"/>
+                  </a:gs>
+                  <a:gs pos="100000">
+                    <a:srgbClr val="FFFFFF"/>
+                  </a:gs>
+                </a:gsLst>
+                <a:lin ang="5400000" scaled="0"/>
+              </a:gradFill>
+              <a:ea typeface="Segoe UI" pitchFamily="34" charset="0"/>
+              <a:cs typeface="Segoe UI" pitchFamily="34" charset="0"/>
+            </a:endParaRPr>
+          </a:p>
+        </p:txBody>
+      </p:sp>
+      <p:sp>
+        <p:nvSpPr>
+          <p:cNvPr id="4" name="Title 3"/>
           <p:cNvSpPr>
             <a:spLocks noGrp="1"/>
           </p:cNvSpPr>
@@ -27454,45 +27605,34 @@
             <p:ph type="ctrTitle"/>
           </p:nvPr>
         </p:nvSpPr>
-        <p:spPr/>
+        <p:spPr>
+          <a:xfrm>
+            <a:off x="269240" y="1206121"/>
+            <a:ext cx="11420252" cy="879910"/>
+          </a:xfrm>
+        </p:spPr>
         <p:txBody>
           <a:bodyPr/>
           <a:lstStyle/>
           <a:p>
             <a:r>
-              <a:rPr lang="en-US" dirty="0" err="1" smtClean="0"/>
-              <a:t>Wifi</a:t>
-            </a:r>
-            <a:r>
-              <a:rPr lang="en-US" dirty="0" smtClean="0"/>
-              <a:t>: </a:t>
-            </a:r>
-            <a:r>
-              <a:rPr lang="en-US" dirty="0" err="1" smtClean="0"/>
-              <a:t>unmg</a:t>
-            </a:r>
-            <a:r>
-              <a:rPr lang="en-US" dirty="0" smtClean="0"/>
-              <a:t/>
+              <a:rPr lang="en-US" sz="5400" dirty="0" smtClean="0"/>
+              <a:t>Machine Learning:</a:t>
             </a:r>
             <a:br>
-              <a:rPr lang="en-US" dirty="0" smtClean="0"/>
+              <a:rPr lang="en-US" sz="5400" dirty="0" smtClean="0"/>
             </a:br>
             <a:r>
-              <a:rPr lang="en-US" dirty="0" smtClean="0"/>
-              <a:t>Password: </a:t>
-            </a:r>
-            <a:r>
-              <a:rPr lang="en-US" dirty="0" err="1" smtClean="0"/>
-              <a:t>SW#ap!unmg</a:t>
-            </a:r>
-            <a:endParaRPr lang="en-US" dirty="0"/>
+              <a:rPr lang="en-US" sz="5400" dirty="0" smtClean="0"/>
+              <a:t>Búscandole el sentido a nuestros datos</a:t>
+            </a:r>
+            <a:endParaRPr lang="en-US" sz="5400" dirty="0"/>
           </a:p>
         </p:txBody>
       </p:sp>
       <p:sp>
         <p:nvSpPr>
-          <p:cNvPr id="3" name="Subtitle 2"/>
+          <p:cNvPr id="5" name="Text Placeholder 4"/>
           <p:cNvSpPr>
             <a:spLocks noGrp="1"/>
           </p:cNvSpPr>
@@ -27500,30 +27640,89 @@
             <p:ph type="subTitle" idx="1"/>
           </p:nvPr>
         </p:nvSpPr>
-        <p:spPr/>
+        <p:spPr>
+          <a:xfrm>
+            <a:off x="5763875" y="5516885"/>
+            <a:ext cx="6174847" cy="1048492"/>
+          </a:xfrm>
+        </p:spPr>
         <p:txBody>
           <a:bodyPr/>
           <a:lstStyle/>
           <a:p>
-            <a:endParaRPr lang="en-US"/>
+            <a:pPr algn="r"/>
+            <a:r>
+              <a:rPr lang="en-US" sz="2800" dirty="0" smtClean="0"/>
+              <a:t>Diego Poza @diegopoza</a:t>
+            </a:r>
+            <a:endParaRPr lang="en-US" sz="2800" dirty="0"/>
+          </a:p>
+          <a:p>
+            <a:pPr algn="r"/>
+            <a:r>
+              <a:rPr lang="en-US" sz="2800" dirty="0" smtClean="0"/>
+              <a:t>Mariano Vazquez @marianodvazquez</a:t>
+            </a:r>
+            <a:endParaRPr lang="en-US" sz="2800" dirty="0"/>
           </a:p>
         </p:txBody>
       </p:sp>
+      <p:pic>
+        <p:nvPicPr>
+          <p:cNvPr id="3076" name="Picture 4" descr="C:\Users\mvazquez\AppData\Local\Temp\SNAGHTML19b379a4.PNG"/>
+          <p:cNvPicPr>
+            <a:picLocks noChangeAspect="1" noChangeArrowheads="1"/>
+          </p:cNvPicPr>
+          <p:nvPr/>
+        </p:nvPicPr>
+        <p:blipFill>
+          <a:blip r:embed="rId2">
+            <a:extLst>
+              <a:ext uri="{28A0092B-C50C-407E-A947-70E740481C1C}">
+                <a14:useLocalDpi xmlns:a14="http://schemas.microsoft.com/office/drawing/2010/main" val="0"/>
+              </a:ext>
+            </a:extLst>
+          </a:blip>
+          <a:srcRect/>
+          <a:stretch>
+            <a:fillRect/>
+          </a:stretch>
+        </p:blipFill>
+        <p:spPr bwMode="auto">
+          <a:xfrm>
+            <a:off x="269240" y="2855723"/>
+            <a:ext cx="1562100" cy="1514475"/>
+          </a:xfrm>
+          <a:prstGeom prst="rect">
+            <a:avLst/>
+          </a:prstGeom>
+          <a:noFill/>
+          <a:extLst>
+            <a:ext uri="{909E8E84-426E-40DD-AFC4-6F175D3DCCD1}">
+              <a14:hiddenFill xmlns:a14="http://schemas.microsoft.com/office/drawing/2010/main">
+                <a:solidFill>
+                  <a:srgbClr val="FFFFFF"/>
+                </a:solidFill>
+              </a14:hiddenFill>
+            </a:ext>
+          </a:extLst>
+        </p:spPr>
+      </p:pic>
     </p:spTree>
     <p:extLst>
       <p:ext uri="{BB962C8B-B14F-4D97-AF65-F5344CB8AC3E}">
-        <p14:creationId xmlns:p14="http://schemas.microsoft.com/office/powerpoint/2010/main" val="3886148803"/>
+        <p14:creationId xmlns:p14="http://schemas.microsoft.com/office/powerpoint/2010/main" val="3502886515"/>
       </p:ext>
     </p:extLst>
   </p:cSld>
   <p:clrMapOvr>
     <a:masterClrMapping/>
   </p:clrMapOvr>
-  <mc:AlternateContent xmlns:mc="http://schemas.openxmlformats.org/markup-compatibility/2006">
-    <mc:Choice xmlns:p14="http://schemas.microsoft.com/office/powerpoint/2010/main" Requires="p14">
-      <p:transition p14:dur="0" advClick="0" advTm="2000"/>
+  <mc:AlternateContent xmlns:mc="http://schemas.openxmlformats.org/markup-compatibility/2006" xmlns:p14="http://schemas.microsoft.com/office/powerpoint/2010/main">
+    <mc:Choice Requires="p14">
+      <p:transition p14:dur="10" advClick="0" advTm="2000"/>
     </mc:Choice>
-    <mc:Fallback>
+    <mc:Fallback xmlns="">
       <p:transition advClick="0" advTm="2000"/>
     </mc:Fallback>
   </mc:AlternateContent>
@@ -27538,157 +27737,6 @@
 </file>
 
 <file path=ppt/slides/slide10.xml><?xml version="1.0" encoding="utf-8"?>
-<p:sld xmlns:a="http://schemas.openxmlformats.org/drawingml/2006/main" xmlns:r="http://schemas.openxmlformats.org/officeDocument/2006/relationships" xmlns:p="http://schemas.openxmlformats.org/presentationml/2006/main">
-  <p:cSld>
-    <p:spTree>
-      <p:nvGrpSpPr>
-        <p:cNvPr id="1" name=""/>
-        <p:cNvGrpSpPr/>
-        <p:nvPr/>
-      </p:nvGrpSpPr>
-      <p:grpSpPr>
-        <a:xfrm>
-          <a:off x="0" y="0"/>
-          <a:ext cx="0" cy="0"/>
-          <a:chOff x="0" y="0"/>
-          <a:chExt cx="0" cy="0"/>
-        </a:xfrm>
-      </p:grpSpPr>
-      <p:sp>
-        <p:nvSpPr>
-          <p:cNvPr id="3" name="Content Placeholder 2"/>
-          <p:cNvSpPr>
-            <a:spLocks noGrp="1"/>
-          </p:cNvSpPr>
-          <p:nvPr>
-            <p:ph type="body" sz="quarter" idx="10"/>
-          </p:nvPr>
-        </p:nvSpPr>
-        <p:spPr>
-          <a:xfrm>
-            <a:off x="838200" y="1825625"/>
-            <a:ext cx="10515600" cy="4347922"/>
-          </a:xfrm>
-          <a:prstGeom prst="rect">
-            <a:avLst/>
-          </a:prstGeom>
-        </p:spPr>
-        <p:txBody>
-          <a:bodyPr/>
-          <a:lstStyle/>
-          <a:p>
-            <a:pPr>
-              <a:buFont typeface="Arial" panose="020B0604020202020204" pitchFamily="34" charset="0"/>
-              <a:buChar char="•"/>
-            </a:pPr>
-            <a:r>
-              <a:rPr lang="es-AR" dirty="0" err="1" smtClean="0"/>
-              <a:t>Dataset</a:t>
-            </a:r>
-            <a:r>
-              <a:rPr lang="es-AR" dirty="0" smtClean="0"/>
-              <a:t> de la UCI de Tarjetas de crédito de Alemania: 1000 filas de datos.</a:t>
-            </a:r>
-          </a:p>
-          <a:p>
-            <a:pPr>
-              <a:buFont typeface="Arial" panose="020B0604020202020204" pitchFamily="34" charset="0"/>
-              <a:buChar char="•"/>
-            </a:pPr>
-            <a:r>
-              <a:rPr lang="es-AR" dirty="0" smtClean="0"/>
-              <a:t>Los clientes del banco solicitan créditos, y el modelo tiene que predecir si la operación es de alto o bajo riesgo.</a:t>
-            </a:r>
-          </a:p>
-          <a:p>
-            <a:pPr lvl="1">
-              <a:buFont typeface="Wingdings" panose="05000000000000000000" pitchFamily="2" charset="2"/>
-              <a:buChar char="Ø"/>
-            </a:pPr>
-            <a:r>
-              <a:rPr lang="es-AR" sz="3921" dirty="0" smtClean="0">
-                <a:latin typeface="+mj-lt"/>
-              </a:rPr>
-              <a:t> “1” es bajo riesgo</a:t>
-            </a:r>
-          </a:p>
-          <a:p>
-            <a:pPr lvl="1">
-              <a:buFont typeface="Wingdings" panose="05000000000000000000" pitchFamily="2" charset="2"/>
-              <a:buChar char="Ø"/>
-            </a:pPr>
-            <a:r>
-              <a:rPr lang="es-AR" sz="3921" dirty="0" smtClean="0">
-                <a:latin typeface="+mj-lt"/>
-              </a:rPr>
-              <a:t> “2” es alto riesgo</a:t>
-            </a:r>
-            <a:endParaRPr lang="es-AR" sz="3921" dirty="0">
-              <a:latin typeface="+mj-lt"/>
-            </a:endParaRPr>
-          </a:p>
-        </p:txBody>
-      </p:sp>
-      <p:sp>
-        <p:nvSpPr>
-          <p:cNvPr id="2" name="Title 1"/>
-          <p:cNvSpPr>
-            <a:spLocks noGrp="1"/>
-          </p:cNvSpPr>
-          <p:nvPr>
-            <p:ph type="title"/>
-          </p:nvPr>
-        </p:nvSpPr>
-        <p:spPr/>
-        <p:txBody>
-          <a:bodyPr/>
-          <a:lstStyle/>
-          <a:p>
-            <a:r>
-              <a:rPr lang="en-US" dirty="0" err="1" smtClean="0">
-                <a:solidFill>
-                  <a:srgbClr val="68217A"/>
-                </a:solidFill>
-              </a:rPr>
-              <a:t>Escenario</a:t>
-            </a:r>
-            <a:endParaRPr lang="en-US" dirty="0">
-              <a:solidFill>
-                <a:srgbClr val="68217A"/>
-              </a:solidFill>
-            </a:endParaRPr>
-          </a:p>
-        </p:txBody>
-      </p:sp>
-    </p:spTree>
-    <p:extLst>
-      <p:ext uri="{BB962C8B-B14F-4D97-AF65-F5344CB8AC3E}">
-        <p14:creationId xmlns:p14="http://schemas.microsoft.com/office/powerpoint/2010/main" val="1438883929"/>
-      </p:ext>
-    </p:extLst>
-  </p:cSld>
-  <p:clrMapOvr>
-    <a:masterClrMapping/>
-  </p:clrMapOvr>
-  <mc:AlternateContent xmlns:mc="http://schemas.openxmlformats.org/markup-compatibility/2006" xmlns:p14="http://schemas.microsoft.com/office/powerpoint/2010/main">
-    <mc:Choice Requires="p14">
-      <p:transition p14:dur="0"/>
-    </mc:Choice>
-    <mc:Fallback xmlns="">
-      <p:transition/>
-    </mc:Fallback>
-  </mc:AlternateContent>
-  <p:timing>
-    <p:tnLst>
-      <p:par>
-        <p:cTn id="1" dur="indefinite" restart="never" nodeType="tmRoot"/>
-      </p:par>
-    </p:tnLst>
-  </p:timing>
-</p:sld>
-</file>
-
-<file path=ppt/slides/slide11.xml><?xml version="1.0" encoding="utf-8"?>
 <p:sld xmlns:a="http://schemas.openxmlformats.org/drawingml/2006/main" xmlns:r="http://schemas.openxmlformats.org/officeDocument/2006/relationships" xmlns:p="http://schemas.openxmlformats.org/presentationml/2006/main">
   <p:cSld>
     <p:spTree>
@@ -30784,6 +30832,87 @@
 </p:sld>
 </file>
 
+<file path=ppt/slides/slide11.xml><?xml version="1.0" encoding="utf-8"?>
+<p:sld xmlns:a="http://schemas.openxmlformats.org/drawingml/2006/main" xmlns:r="http://schemas.openxmlformats.org/officeDocument/2006/relationships" xmlns:p="http://schemas.openxmlformats.org/presentationml/2006/main">
+  <p:cSld>
+    <p:spTree>
+      <p:nvGrpSpPr>
+        <p:cNvPr id="1" name=""/>
+        <p:cNvGrpSpPr/>
+        <p:nvPr/>
+      </p:nvGrpSpPr>
+      <p:grpSpPr>
+        <a:xfrm>
+          <a:off x="0" y="0"/>
+          <a:ext cx="0" cy="0"/>
+          <a:chOff x="0" y="0"/>
+          <a:chExt cx="0" cy="0"/>
+        </a:xfrm>
+      </p:grpSpPr>
+      <p:sp>
+        <p:nvSpPr>
+          <p:cNvPr id="2" name="Title 1"/>
+          <p:cNvSpPr>
+            <a:spLocks noGrp="1"/>
+          </p:cNvSpPr>
+          <p:nvPr>
+            <p:ph type="title"/>
+          </p:nvPr>
+        </p:nvSpPr>
+        <p:spPr>
+          <a:xfrm>
+            <a:off x="0" y="1186356"/>
+            <a:ext cx="12192000" cy="2697988"/>
+          </a:xfrm>
+        </p:spPr>
+        <p:txBody>
+          <a:bodyPr/>
+          <a:lstStyle/>
+          <a:p>
+            <a:pPr algn="ctr"/>
+            <a:r>
+              <a:rPr lang="en-US" sz="8000" dirty="0" smtClean="0"/>
+              <a:t/>
+            </a:r>
+            <a:br>
+              <a:rPr lang="en-US" sz="8000" dirty="0" smtClean="0"/>
+            </a:br>
+            <a:r>
+              <a:rPr lang="en-US" sz="8000" dirty="0" smtClean="0"/>
+              <a:t>Twitter Sentiment Analysis</a:t>
+            </a:r>
+            <a:endParaRPr lang="en-US" sz="8000" dirty="0"/>
+          </a:p>
+        </p:txBody>
+      </p:sp>
+    </p:spTree>
+    <p:extLst>
+      <p:ext uri="{BB962C8B-B14F-4D97-AF65-F5344CB8AC3E}">
+        <p14:creationId xmlns:p14="http://schemas.microsoft.com/office/powerpoint/2010/main" val="2305096695"/>
+      </p:ext>
+    </p:extLst>
+  </p:cSld>
+  <p:clrMapOvr>
+    <a:masterClrMapping/>
+  </p:clrMapOvr>
+  <mc:AlternateContent xmlns:mc="http://schemas.openxmlformats.org/markup-compatibility/2006" xmlns:p14="http://schemas.microsoft.com/office/powerpoint/2010/main">
+    <mc:Choice Requires="p14">
+      <p:transition p14:dur="0"/>
+    </mc:Choice>
+    <mc:Fallback xmlns="">
+      <p:transition/>
+    </mc:Fallback>
+  </mc:AlternateContent>
+  <p:timing>
+    <p:tnLst>
+      <p:par>
+        <p:cTn id="1" dur="indefinite" restart="never" nodeType="tmRoot"/>
+      </p:par>
+    </p:tnLst>
+  </p:timing>
+</p:sld>
+</file>
+
 <file path=ppt/slides/slide12.xml><?xml version="1.0" encoding="utf-8"?>
 <p:sld xmlns:a="http://schemas.openxmlformats.org/drawingml/2006/main" xmlns:r="http://schemas.openxmlformats.org/officeDocument/2006/relationships" xmlns:p="http://schemas.openxmlformats.org/presentationml/2006/main">
   <p:cSld>
@@ -30824,87 +30953,6 @@
             <a:pPr algn="ctr"/>
             <a:r>
               <a:rPr lang="en-US" sz="8000" dirty="0" smtClean="0"/>
-              <a:t/>
-            </a:r>
-            <a:br>
-              <a:rPr lang="en-US" sz="8000" dirty="0" smtClean="0"/>
-            </a:br>
-            <a:r>
-              <a:rPr lang="en-US" sz="8000" dirty="0" smtClean="0"/>
-              <a:t>Twitter Sentiment Analysis</a:t>
-            </a:r>
-            <a:endParaRPr lang="en-US" sz="8000" dirty="0"/>
-          </a:p>
-        </p:txBody>
-      </p:sp>
-    </p:spTree>
-    <p:extLst>
-      <p:ext uri="{BB962C8B-B14F-4D97-AF65-F5344CB8AC3E}">
-        <p14:creationId xmlns:p14="http://schemas.microsoft.com/office/powerpoint/2010/main" val="2305096695"/>
-      </p:ext>
-    </p:extLst>
-  </p:cSld>
-  <p:clrMapOvr>
-    <a:masterClrMapping/>
-  </p:clrMapOvr>
-  <mc:AlternateContent xmlns:mc="http://schemas.openxmlformats.org/markup-compatibility/2006">
-    <mc:Choice xmlns:p14="http://schemas.microsoft.com/office/powerpoint/2010/main" Requires="p14">
-      <p:transition p14:dur="0"/>
-    </mc:Choice>
-    <mc:Fallback>
-      <p:transition/>
-    </mc:Fallback>
-  </mc:AlternateContent>
-  <p:timing>
-    <p:tnLst>
-      <p:par>
-        <p:cTn id="1" dur="indefinite" restart="never" nodeType="tmRoot"/>
-      </p:par>
-    </p:tnLst>
-  </p:timing>
-</p:sld>
-</file>
-
-<file path=ppt/slides/slide13.xml><?xml version="1.0" encoding="utf-8"?>
-<p:sld xmlns:a="http://schemas.openxmlformats.org/drawingml/2006/main" xmlns:r="http://schemas.openxmlformats.org/officeDocument/2006/relationships" xmlns:p="http://schemas.openxmlformats.org/presentationml/2006/main">
-  <p:cSld>
-    <p:spTree>
-      <p:nvGrpSpPr>
-        <p:cNvPr id="1" name=""/>
-        <p:cNvGrpSpPr/>
-        <p:nvPr/>
-      </p:nvGrpSpPr>
-      <p:grpSpPr>
-        <a:xfrm>
-          <a:off x="0" y="0"/>
-          <a:ext cx="0" cy="0"/>
-          <a:chOff x="0" y="0"/>
-          <a:chExt cx="0" cy="0"/>
-        </a:xfrm>
-      </p:grpSpPr>
-      <p:sp>
-        <p:nvSpPr>
-          <p:cNvPr id="2" name="Title 1"/>
-          <p:cNvSpPr>
-            <a:spLocks noGrp="1"/>
-          </p:cNvSpPr>
-          <p:nvPr>
-            <p:ph type="title"/>
-          </p:nvPr>
-        </p:nvSpPr>
-        <p:spPr>
-          <a:xfrm>
-            <a:off x="0" y="1186356"/>
-            <a:ext cx="12192000" cy="2697988"/>
-          </a:xfrm>
-        </p:spPr>
-        <p:txBody>
-          <a:bodyPr/>
-          <a:lstStyle/>
-          <a:p>
-            <a:pPr algn="ctr"/>
-            <a:r>
-              <a:rPr lang="en-US" sz="8000" dirty="0" smtClean="0"/>
               <a:t>Gracias!</a:t>
             </a:r>
             <a:endParaRPr lang="en-US" sz="8000" dirty="0"/>
@@ -30921,11 +30969,11 @@
   <p:clrMapOvr>
     <a:masterClrMapping/>
   </p:clrMapOvr>
-  <mc:AlternateContent xmlns:mc="http://schemas.openxmlformats.org/markup-compatibility/2006">
-    <mc:Choice xmlns:p14="http://schemas.microsoft.com/office/powerpoint/2010/main" Requires="p14">
+  <mc:AlternateContent xmlns:mc="http://schemas.openxmlformats.org/markup-compatibility/2006" xmlns:p14="http://schemas.microsoft.com/office/powerpoint/2010/main">
+    <mc:Choice Requires="p14">
       <p:transition p14:dur="0"/>
     </mc:Choice>
-    <mc:Fallback>
+    <mc:Fallback xmlns="">
       <p:transition/>
     </mc:Fallback>
   </mc:AlternateContent>
@@ -30958,348 +31006,135 @@
       </p:grpSpPr>
       <p:sp>
         <p:nvSpPr>
-          <p:cNvPr id="3" name="Rectangle 2"/>
-          <p:cNvSpPr/>
-          <p:nvPr/>
-        </p:nvSpPr>
-        <p:spPr bwMode="auto">
-          <a:xfrm>
-            <a:off x="283102" y="1206121"/>
-            <a:ext cx="10961547" cy="3299204"/>
-          </a:xfrm>
-          <a:prstGeom prst="rect">
-            <a:avLst/>
-          </a:prstGeom>
-          <a:solidFill>
-            <a:schemeClr val="accent1"/>
-          </a:solidFill>
-          <a:ln>
-            <a:noFill/>
-            <a:headEnd type="none" w="med" len="med"/>
-            <a:tailEnd type="none" w="med" len="med"/>
-          </a:ln>
-          <a:effectLst/>
-        </p:spPr>
-        <p:style>
-          <a:lnRef idx="1">
-            <a:schemeClr val="accent2"/>
-          </a:lnRef>
-          <a:fillRef idx="3">
-            <a:schemeClr val="accent2"/>
-          </a:fillRef>
-          <a:effectRef idx="2">
-            <a:schemeClr val="accent2"/>
-          </a:effectRef>
-          <a:fontRef idx="minor">
-            <a:schemeClr val="lt1"/>
-          </a:fontRef>
-        </p:style>
-        <p:txBody>
-          <a:bodyPr rot="0" spcFirstLastPara="0" vertOverflow="overflow" horzOverflow="overflow" vert="horz" wrap="square" lIns="182880" tIns="146304" rIns="182880" bIns="146304" numCol="1" spcCol="0" rtlCol="0" fromWordArt="0" anchor="t" anchorCtr="0" forceAA="0" compatLnSpc="1">
-            <a:prstTxWarp prst="textNoShape">
-              <a:avLst/>
-            </a:prstTxWarp>
-            <a:noAutofit/>
-          </a:bodyPr>
-          <a:lstStyle/>
-          <a:p>
-            <a:pPr algn="ctr" defTabSz="932472" fontAlgn="base">
-              <a:lnSpc>
-                <a:spcPct val="90000"/>
-              </a:lnSpc>
-              <a:spcBef>
-                <a:spcPct val="0"/>
-              </a:spcBef>
-              <a:spcAft>
-                <a:spcPct val="0"/>
-              </a:spcAft>
-            </a:pPr>
-            <a:endParaRPr lang="en-US" sz="2400" dirty="0" err="1" smtClean="0">
-              <a:gradFill>
-                <a:gsLst>
-                  <a:gs pos="0">
-                    <a:srgbClr val="FFFFFF"/>
-                  </a:gs>
-                  <a:gs pos="100000">
-                    <a:srgbClr val="FFFFFF"/>
-                  </a:gs>
-                </a:gsLst>
-                <a:lin ang="5400000" scaled="0"/>
-              </a:gradFill>
-              <a:ea typeface="Segoe UI" pitchFamily="34" charset="0"/>
-              <a:cs typeface="Segoe UI" pitchFamily="34" charset="0"/>
-            </a:endParaRPr>
-          </a:p>
-        </p:txBody>
-      </p:sp>
-      <p:sp>
-        <p:nvSpPr>
-          <p:cNvPr id="2" name="Rectangle 1"/>
-          <p:cNvSpPr/>
-          <p:nvPr/>
-        </p:nvSpPr>
-        <p:spPr bwMode="auto">
-          <a:xfrm>
-            <a:off x="283102" y="1206121"/>
-            <a:ext cx="6174847" cy="3299204"/>
-          </a:xfrm>
-          <a:prstGeom prst="rect">
-            <a:avLst/>
-          </a:prstGeom>
-          <a:solidFill>
-            <a:schemeClr val="accent1"/>
-          </a:solidFill>
-          <a:ln>
-            <a:noFill/>
-            <a:headEnd type="none" w="med" len="med"/>
-            <a:tailEnd type="none" w="med" len="med"/>
-          </a:ln>
-          <a:effectLst/>
-        </p:spPr>
-        <p:style>
-          <a:lnRef idx="1">
-            <a:schemeClr val="accent2"/>
-          </a:lnRef>
-          <a:fillRef idx="3">
-            <a:schemeClr val="accent2"/>
-          </a:fillRef>
-          <a:effectRef idx="2">
-            <a:schemeClr val="accent2"/>
-          </a:effectRef>
-          <a:fontRef idx="minor">
-            <a:schemeClr val="lt1"/>
-          </a:fontRef>
-        </p:style>
-        <p:txBody>
-          <a:bodyPr rot="0" spcFirstLastPara="0" vertOverflow="overflow" horzOverflow="overflow" vert="horz" wrap="square" lIns="182880" tIns="146304" rIns="182880" bIns="146304" numCol="1" spcCol="0" rtlCol="0" fromWordArt="0" anchor="t" anchorCtr="0" forceAA="0" compatLnSpc="1">
-            <a:prstTxWarp prst="textNoShape">
-              <a:avLst/>
-            </a:prstTxWarp>
-            <a:noAutofit/>
-          </a:bodyPr>
-          <a:lstStyle/>
-          <a:p>
-            <a:pPr algn="ctr" defTabSz="932472" fontAlgn="base">
-              <a:lnSpc>
-                <a:spcPct val="90000"/>
-              </a:lnSpc>
-              <a:spcBef>
-                <a:spcPct val="0"/>
-              </a:spcBef>
-              <a:spcAft>
-                <a:spcPct val="0"/>
-              </a:spcAft>
-            </a:pPr>
-            <a:endParaRPr lang="en-US" sz="2400" dirty="0" err="1" smtClean="0">
-              <a:gradFill>
-                <a:gsLst>
-                  <a:gs pos="0">
-                    <a:srgbClr val="FFFFFF"/>
-                  </a:gs>
-                  <a:gs pos="100000">
-                    <a:srgbClr val="FFFFFF"/>
-                  </a:gs>
-                </a:gsLst>
-                <a:lin ang="5400000" scaled="0"/>
-              </a:gradFill>
-              <a:ea typeface="Segoe UI" pitchFamily="34" charset="0"/>
-              <a:cs typeface="Segoe UI" pitchFamily="34" charset="0"/>
-            </a:endParaRPr>
-          </a:p>
-        </p:txBody>
-      </p:sp>
-      <p:sp>
-        <p:nvSpPr>
           <p:cNvPr id="4" name="Title 3"/>
           <p:cNvSpPr>
             <a:spLocks noGrp="1"/>
           </p:cNvSpPr>
           <p:nvPr>
-            <p:ph type="ctrTitle"/>
+            <p:ph type="title"/>
+          </p:nvPr>
+        </p:nvSpPr>
+        <p:spPr/>
+        <p:txBody>
+          <a:bodyPr/>
+          <a:lstStyle/>
+          <a:p>
+            <a:r>
+              <a:rPr lang="en-US" dirty="0" smtClean="0"/>
+              <a:t>Agenda</a:t>
+            </a:r>
+            <a:endParaRPr lang="en-US" dirty="0"/>
+          </a:p>
+        </p:txBody>
+      </p:sp>
+      <p:sp>
+        <p:nvSpPr>
+          <p:cNvPr id="7" name="Content Placeholder 6"/>
+          <p:cNvSpPr>
+            <a:spLocks noGrp="1"/>
+          </p:cNvSpPr>
+          <p:nvPr>
+            <p:ph type="body" sz="quarter" idx="12"/>
           </p:nvPr>
         </p:nvSpPr>
         <p:spPr>
           <a:xfrm>
-            <a:off x="269240" y="1206121"/>
-            <a:ext cx="11420252" cy="879910"/>
+            <a:off x="269240" y="3877277"/>
+            <a:ext cx="11332210" cy="1793881"/>
           </a:xfrm>
         </p:spPr>
         <p:txBody>
           <a:bodyPr/>
           <a:lstStyle/>
           <a:p>
-            <a:r>
-              <a:rPr lang="en-US" sz="5400" dirty="0" smtClean="0"/>
-              <a:t>Machine Learning:</a:t>
-            </a:r>
-            <a:br>
-              <a:rPr lang="en-US" sz="5400" dirty="0" smtClean="0"/>
-            </a:br>
-            <a:r>
-              <a:rPr lang="en-US" sz="5400" dirty="0" smtClean="0"/>
-              <a:t>Búscandole el sentido a nuestros datos</a:t>
-            </a:r>
-            <a:endParaRPr lang="en-US" sz="5400" dirty="0"/>
+            <a:pPr marL="514350" indent="-514350">
+              <a:buFont typeface="+mj-lt"/>
+              <a:buAutoNum type="arabicPeriod"/>
+            </a:pPr>
+            <a:r>
+              <a:rPr lang="en-US" dirty="0" smtClean="0"/>
+              <a:t>¿</a:t>
+            </a:r>
+            <a:r>
+              <a:rPr lang="en-US" dirty="0" err="1" smtClean="0"/>
+              <a:t>Qué</a:t>
+            </a:r>
+            <a:r>
+              <a:rPr lang="en-US" dirty="0" smtClean="0"/>
+              <a:t> </a:t>
+            </a:r>
+            <a:r>
+              <a:rPr lang="en-US" dirty="0" err="1" smtClean="0"/>
+              <a:t>es</a:t>
+            </a:r>
+            <a:r>
+              <a:rPr lang="en-US" dirty="0" smtClean="0"/>
+              <a:t> Machine Learning?</a:t>
+            </a:r>
+          </a:p>
+          <a:p>
+            <a:pPr marL="514350" indent="-514350">
+              <a:buFont typeface="+mj-lt"/>
+              <a:buAutoNum type="arabicPeriod"/>
+            </a:pPr>
+            <a:r>
+              <a:rPr lang="en-US" dirty="0" smtClean="0"/>
+              <a:t>Azure Machine Learning</a:t>
+            </a:r>
+          </a:p>
+          <a:p>
+            <a:pPr marL="514350" indent="-514350">
+              <a:buFont typeface="+mj-lt"/>
+              <a:buAutoNum type="arabicPeriod"/>
+            </a:pPr>
+            <a:r>
+              <a:rPr lang="en-US" dirty="0" smtClean="0"/>
+              <a:t>Demo: </a:t>
+            </a:r>
+            <a:r>
+              <a:rPr lang="en-US" dirty="0" err="1" smtClean="0"/>
+              <a:t>Creando</a:t>
+            </a:r>
+            <a:r>
+              <a:rPr lang="en-US" dirty="0" smtClean="0"/>
+              <a:t> un Web Service de Machine Learning</a:t>
+            </a:r>
+          </a:p>
+          <a:p>
+            <a:pPr marL="514350" indent="-514350">
+              <a:buFont typeface="+mj-lt"/>
+              <a:buAutoNum type="arabicPeriod"/>
+            </a:pPr>
+            <a:r>
+              <a:rPr lang="en-US" dirty="0" smtClean="0"/>
+              <a:t>Demo: Twitter Sentiment Analysis</a:t>
+            </a:r>
+          </a:p>
+          <a:p>
+            <a:pPr marL="514350" indent="-514350">
+              <a:buFont typeface="+mj-lt"/>
+              <a:buAutoNum type="arabicPeriod"/>
+            </a:pPr>
+            <a:endParaRPr lang="en-US" dirty="0"/>
           </a:p>
         </p:txBody>
       </p:sp>
-      <p:sp>
-        <p:nvSpPr>
-          <p:cNvPr id="5" name="Text Placeholder 4"/>
-          <p:cNvSpPr>
-            <a:spLocks noGrp="1"/>
-          </p:cNvSpPr>
-          <p:nvPr>
-            <p:ph type="subTitle" idx="1"/>
-          </p:nvPr>
-        </p:nvSpPr>
-        <p:spPr>
-          <a:xfrm>
-            <a:off x="5069802" y="3469144"/>
-            <a:ext cx="6174847" cy="1036181"/>
-          </a:xfrm>
-        </p:spPr>
-        <p:txBody>
-          <a:bodyPr/>
-          <a:lstStyle/>
-          <a:p>
-            <a:pPr algn="r"/>
-            <a:r>
-              <a:rPr lang="en-US" sz="2000" dirty="0" smtClean="0"/>
-              <a:t>Diego Poza @diegopoza</a:t>
-            </a:r>
-            <a:endParaRPr lang="en-US" sz="2000" dirty="0"/>
-          </a:p>
-          <a:p>
-            <a:pPr algn="r"/>
-            <a:r>
-              <a:rPr lang="en-US" sz="2000" dirty="0" smtClean="0"/>
-              <a:t>Mariano Vazquez @marianodvazquez</a:t>
-            </a:r>
-            <a:endParaRPr lang="en-US" sz="2000" dirty="0"/>
-          </a:p>
-        </p:txBody>
-      </p:sp>
-      <p:pic>
-        <p:nvPicPr>
-          <p:cNvPr id="3076" name="Picture 4" descr="C:\Users\mvazquez\AppData\Local\Temp\SNAGHTML19b379a4.PNG"/>
-          <p:cNvPicPr>
-            <a:picLocks noChangeAspect="1" noChangeArrowheads="1"/>
-          </p:cNvPicPr>
-          <p:nvPr/>
-        </p:nvPicPr>
-        <p:blipFill>
-          <a:blip r:embed="rId2">
-            <a:extLst>
-              <a:ext uri="{28A0092B-C50C-407E-A947-70E740481C1C}">
-                <a14:useLocalDpi xmlns:a14="http://schemas.microsoft.com/office/drawing/2010/main" val="0"/>
-              </a:ext>
-            </a:extLst>
-          </a:blip>
-          <a:srcRect/>
-          <a:stretch>
-            <a:fillRect/>
-          </a:stretch>
-        </p:blipFill>
-        <p:spPr bwMode="auto">
-          <a:xfrm>
-            <a:off x="269240" y="2855723"/>
-            <a:ext cx="1562100" cy="1514475"/>
-          </a:xfrm>
-          <a:prstGeom prst="rect">
-            <a:avLst/>
-          </a:prstGeom>
-          <a:noFill/>
-          <a:extLst>
-            <a:ext uri="{909E8E84-426E-40DD-AFC4-6F175D3DCCD1}">
-              <a14:hiddenFill xmlns:a14="http://schemas.microsoft.com/office/drawing/2010/main">
-                <a:solidFill>
-                  <a:srgbClr val="FFFFFF"/>
-                </a:solidFill>
-              </a14:hiddenFill>
-            </a:ext>
-          </a:extLst>
-        </p:spPr>
-      </p:pic>
-      <p:grpSp>
-        <p:nvGrpSpPr>
-          <p:cNvPr id="14" name="Group 13"/>
-          <p:cNvGrpSpPr/>
-          <p:nvPr/>
-        </p:nvGrpSpPr>
-        <p:grpSpPr>
-          <a:xfrm>
-            <a:off x="7734299" y="5743575"/>
-            <a:ext cx="4381393" cy="928590"/>
-            <a:chOff x="7572374" y="5800725"/>
-            <a:chExt cx="4381393" cy="928590"/>
-          </a:xfrm>
-        </p:grpSpPr>
-        <p:pic>
-          <p:nvPicPr>
-            <p:cNvPr id="10" name="Picture 9"/>
-            <p:cNvPicPr>
-              <a:picLocks noChangeAspect="1"/>
-            </p:cNvPicPr>
-            <p:nvPr/>
-          </p:nvPicPr>
-          <p:blipFill>
-            <a:blip r:embed="rId3"/>
-            <a:stretch>
-              <a:fillRect/>
-            </a:stretch>
-          </p:blipFill>
-          <p:spPr>
-            <a:xfrm>
-              <a:off x="10928330" y="5800725"/>
-              <a:ext cx="1025437" cy="928590"/>
-            </a:xfrm>
-            <a:prstGeom prst="rect">
-              <a:avLst/>
-            </a:prstGeom>
-          </p:spPr>
-        </p:pic>
-        <p:pic>
-          <p:nvPicPr>
-            <p:cNvPr id="12" name="Picture 11"/>
-            <p:cNvPicPr>
-              <a:picLocks noChangeAspect="1"/>
-            </p:cNvPicPr>
-            <p:nvPr/>
-          </p:nvPicPr>
-          <p:blipFill>
-            <a:blip r:embed="rId4"/>
-            <a:stretch>
-              <a:fillRect/>
-            </a:stretch>
-          </p:blipFill>
-          <p:spPr>
-            <a:xfrm>
-              <a:off x="7572374" y="5999533"/>
-              <a:ext cx="3257177" cy="478690"/>
-            </a:xfrm>
-            <a:prstGeom prst="rect">
-              <a:avLst/>
-            </a:prstGeom>
-          </p:spPr>
-        </p:pic>
-      </p:grpSp>
     </p:spTree>
     <p:extLst>
       <p:ext uri="{BB962C8B-B14F-4D97-AF65-F5344CB8AC3E}">
-        <p14:creationId xmlns:p14="http://schemas.microsoft.com/office/powerpoint/2010/main" val="3502886515"/>
+        <p14:creationId xmlns:p14="http://schemas.microsoft.com/office/powerpoint/2010/main" val="2649404666"/>
       </p:ext>
     </p:extLst>
   </p:cSld>
   <p:clrMapOvr>
     <a:masterClrMapping/>
   </p:clrMapOvr>
-  <mc:AlternateContent xmlns:mc="http://schemas.openxmlformats.org/markup-compatibility/2006">
-    <mc:Choice xmlns:p14="http://schemas.microsoft.com/office/powerpoint/2010/main" Requires="p14">
-      <p:transition p14:dur="10" advClick="0" advTm="2000"/>
+  <mc:AlternateContent xmlns:mc="http://schemas.openxmlformats.org/markup-compatibility/2006" xmlns:p14="http://schemas.microsoft.com/office/powerpoint/2010/main">
+    <mc:Choice Requires="p14">
+      <p:transition p14:dur="0"/>
     </mc:Choice>
-    <mc:Fallback>
-      <p:transition advClick="0" advTm="2000"/>
+    <mc:Fallback xmlns="">
+      <p:transition/>
     </mc:Fallback>
   </mc:AlternateContent>
   <p:timing>
@@ -31331,7 +31166,144 @@
       </p:grpSpPr>
       <p:sp>
         <p:nvSpPr>
-          <p:cNvPr id="4" name="Title 3"/>
+          <p:cNvPr id="3" name="Content Placeholder 2"/>
+          <p:cNvSpPr>
+            <a:spLocks noGrp="1"/>
+          </p:cNvSpPr>
+          <p:nvPr>
+            <p:ph type="body" sz="quarter" idx="10"/>
+          </p:nvPr>
+        </p:nvSpPr>
+        <p:spPr>
+          <a:xfrm>
+            <a:off x="269239" y="1189177"/>
+            <a:ext cx="11653523" cy="6271397"/>
+          </a:xfrm>
+        </p:spPr>
+        <p:txBody>
+          <a:bodyPr/>
+          <a:lstStyle/>
+          <a:p>
+            <a:pPr>
+              <a:lnSpc>
+                <a:spcPct val="100000"/>
+              </a:lnSpc>
+            </a:pPr>
+            <a:r>
+              <a:rPr lang="es-AR" sz="3200" dirty="0" smtClean="0"/>
+              <a:t>Sistemas computacionales que se vuelven más inteligentes con la “experiencia”</a:t>
+            </a:r>
+          </a:p>
+          <a:p>
+            <a:pPr lvl="1">
+              <a:lnSpc>
+                <a:spcPct val="100000"/>
+              </a:lnSpc>
+            </a:pPr>
+            <a:r>
+              <a:rPr lang="es-AR" sz="1800" dirty="0" smtClean="0"/>
+              <a:t>Experiencia = datos pasados + input humano</a:t>
+            </a:r>
+          </a:p>
+          <a:p>
+            <a:pPr lvl="1">
+              <a:lnSpc>
+                <a:spcPct val="100000"/>
+              </a:lnSpc>
+            </a:pPr>
+            <a:r>
+              <a:rPr lang="es-AR" sz="1800" dirty="0" smtClean="0"/>
+              <a:t>Son capaces de adaptarse independientemente y “aprender”</a:t>
+            </a:r>
+          </a:p>
+          <a:p>
+            <a:pPr lvl="1">
+              <a:lnSpc>
+                <a:spcPct val="100000"/>
+              </a:lnSpc>
+            </a:pPr>
+            <a:endParaRPr lang="es-AR" sz="1800" dirty="0" smtClean="0"/>
+          </a:p>
+          <a:p>
+            <a:pPr>
+              <a:lnSpc>
+                <a:spcPct val="100000"/>
+              </a:lnSpc>
+            </a:pPr>
+            <a:r>
+              <a:rPr lang="es-AR" sz="3200" dirty="0" smtClean="0"/>
+              <a:t>Utiliza algoritmos que aprenden de los datos sin la necesidad de programar reglas individuales</a:t>
+            </a:r>
+          </a:p>
+          <a:p>
+            <a:pPr lvl="1">
+              <a:lnSpc>
+                <a:spcPct val="100000"/>
+              </a:lnSpc>
+            </a:pPr>
+            <a:r>
+              <a:rPr lang="es-AR" sz="1800" dirty="0" smtClean="0"/>
+              <a:t>Objetivo: </a:t>
+            </a:r>
+            <a:r>
+              <a:rPr lang="es-AR" sz="1800" b="1" dirty="0" smtClean="0"/>
+              <a:t>predecir</a:t>
+            </a:r>
+            <a:r>
+              <a:rPr lang="es-AR" sz="1800" dirty="0" smtClean="0"/>
+              <a:t> cual sería el resultado mas probable (</a:t>
+            </a:r>
+            <a:r>
+              <a:rPr lang="es-AR" sz="1800" dirty="0" err="1" smtClean="0"/>
+              <a:t>insights</a:t>
+            </a:r>
+            <a:r>
+              <a:rPr lang="es-AR" sz="1800" dirty="0" smtClean="0"/>
+              <a:t>)</a:t>
+            </a:r>
+          </a:p>
+          <a:p>
+            <a:pPr lvl="1">
+              <a:lnSpc>
+                <a:spcPct val="100000"/>
+              </a:lnSpc>
+            </a:pPr>
+            <a:endParaRPr lang="es-AR" sz="1800" dirty="0" smtClean="0"/>
+          </a:p>
+          <a:p>
+            <a:pPr>
+              <a:lnSpc>
+                <a:spcPct val="100000"/>
+              </a:lnSpc>
+            </a:pPr>
+            <a:r>
+              <a:rPr lang="es-AR" sz="3200" dirty="0" smtClean="0"/>
+              <a:t>Útil en casos donde no es factible diseñar o programar algoritmos explícitos</a:t>
+            </a:r>
+          </a:p>
+          <a:p>
+            <a:pPr lvl="1">
+              <a:lnSpc>
+                <a:spcPct val="100000"/>
+              </a:lnSpc>
+            </a:pPr>
+            <a:r>
+              <a:rPr lang="es-AR" sz="1800" dirty="0" smtClean="0"/>
+              <a:t>Cuando las decisiones tomados en base a grandes cantidades de datos tienden a ser las mejores decisiones</a:t>
+            </a:r>
+          </a:p>
+          <a:p>
+            <a:pPr>
+              <a:buFont typeface="Courier New" panose="02070309020205020404" pitchFamily="49" charset="0"/>
+              <a:buChar char="o"/>
+            </a:pPr>
+            <a:endParaRPr lang="en-US" dirty="0"/>
+          </a:p>
+        </p:txBody>
+      </p:sp>
+      <p:sp>
+        <p:nvSpPr>
+          <p:cNvPr id="2" name="Title 1"/>
           <p:cNvSpPr>
             <a:spLocks noGrp="1"/>
           </p:cNvSpPr>
@@ -31345,112 +31317,68 @@
           <a:lstStyle/>
           <a:p>
             <a:r>
-              <a:rPr lang="en-US" dirty="0" smtClean="0"/>
-              <a:t>Agenda</a:t>
-            </a:r>
-            <a:endParaRPr lang="en-US" dirty="0"/>
-          </a:p>
-        </p:txBody>
-      </p:sp>
-      <p:sp>
-        <p:nvSpPr>
-          <p:cNvPr id="7" name="Content Placeholder 6"/>
-          <p:cNvSpPr>
-            <a:spLocks noGrp="1"/>
-          </p:cNvSpPr>
-          <p:nvPr>
-            <p:ph type="body" sz="quarter" idx="12"/>
-          </p:nvPr>
-        </p:nvSpPr>
-        <p:spPr>
-          <a:xfrm>
-            <a:off x="269240" y="3877277"/>
-            <a:ext cx="11332210" cy="1793881"/>
-          </a:xfrm>
-        </p:spPr>
-        <p:txBody>
-          <a:bodyPr/>
-          <a:lstStyle/>
-          <a:p>
-            <a:pPr marL="514350" indent="-514350">
-              <a:buFont typeface="+mj-lt"/>
-              <a:buAutoNum type="arabicPeriod"/>
-            </a:pPr>
-            <a:r>
-              <a:rPr lang="en-US" dirty="0" smtClean="0"/>
+              <a:rPr lang="en-US" dirty="0">
+                <a:solidFill>
+                  <a:srgbClr val="9B4F96"/>
+                </a:solidFill>
+              </a:rPr>
               <a:t>¿</a:t>
             </a:r>
             <a:r>
-              <a:rPr lang="en-US" dirty="0" err="1" smtClean="0"/>
+              <a:rPr lang="en-US" dirty="0" err="1" smtClean="0">
+                <a:solidFill>
+                  <a:srgbClr val="9B4F96"/>
+                </a:solidFill>
+              </a:rPr>
               <a:t>Qué</a:t>
             </a:r>
             <a:r>
-              <a:rPr lang="en-US" dirty="0" smtClean="0"/>
+              <a:rPr lang="en-US" dirty="0" smtClean="0">
+                <a:solidFill>
+                  <a:srgbClr val="9B4F96"/>
+                </a:solidFill>
+              </a:rPr>
               <a:t> </a:t>
             </a:r>
             <a:r>
-              <a:rPr lang="en-US" dirty="0" err="1" smtClean="0"/>
+              <a:rPr lang="en-US" dirty="0" err="1" smtClean="0">
+                <a:solidFill>
+                  <a:srgbClr val="9B4F96"/>
+                </a:solidFill>
+              </a:rPr>
               <a:t>es</a:t>
             </a:r>
             <a:r>
-              <a:rPr lang="en-US" dirty="0" smtClean="0"/>
+              <a:rPr lang="en-US" dirty="0" smtClean="0">
+                <a:solidFill>
+                  <a:srgbClr val="9B4F96"/>
+                </a:solidFill>
+              </a:rPr>
               <a:t> Machine Learning?</a:t>
             </a:r>
-          </a:p>
-          <a:p>
-            <a:pPr marL="514350" indent="-514350">
-              <a:buFont typeface="+mj-lt"/>
-              <a:buAutoNum type="arabicPeriod"/>
-            </a:pPr>
-            <a:r>
-              <a:rPr lang="en-US" dirty="0" smtClean="0"/>
-              <a:t>Azure Machine Learning</a:t>
-            </a:r>
-          </a:p>
-          <a:p>
-            <a:pPr marL="514350" indent="-514350">
-              <a:buFont typeface="+mj-lt"/>
-              <a:buAutoNum type="arabicPeriod"/>
-            </a:pPr>
-            <a:r>
-              <a:rPr lang="en-US" dirty="0" smtClean="0"/>
-              <a:t>Demo: Creando un Web Service de Machine Learning</a:t>
-            </a:r>
-          </a:p>
-          <a:p>
-            <a:pPr marL="514350" indent="-514350">
-              <a:buFont typeface="+mj-lt"/>
-              <a:buAutoNum type="arabicPeriod"/>
-            </a:pPr>
-            <a:r>
-              <a:rPr lang="en-US" dirty="0" smtClean="0"/>
-              <a:t>Twitter Sentiment Analysis</a:t>
-            </a:r>
-          </a:p>
-          <a:p>
-            <a:pPr marL="514350" indent="-514350">
-              <a:buFont typeface="+mj-lt"/>
-              <a:buAutoNum type="arabicPeriod"/>
-            </a:pPr>
-            <a:endParaRPr lang="en-US" dirty="0"/>
+            <a:endParaRPr lang="en-US" dirty="0">
+              <a:solidFill>
+                <a:srgbClr val="9B4F96"/>
+              </a:solidFill>
+            </a:endParaRPr>
           </a:p>
         </p:txBody>
       </p:sp>
     </p:spTree>
     <p:extLst>
       <p:ext uri="{BB962C8B-B14F-4D97-AF65-F5344CB8AC3E}">
-        <p14:creationId xmlns:p14="http://schemas.microsoft.com/office/powerpoint/2010/main" val="2649404666"/>
+        <p14:creationId xmlns:p14="http://schemas.microsoft.com/office/powerpoint/2010/main" val="1733806203"/>
       </p:ext>
     </p:extLst>
   </p:cSld>
   <p:clrMapOvr>
     <a:masterClrMapping/>
   </p:clrMapOvr>
-  <mc:AlternateContent xmlns:mc="http://schemas.openxmlformats.org/markup-compatibility/2006">
-    <mc:Choice xmlns:p14="http://schemas.microsoft.com/office/powerpoint/2010/main" Requires="p14">
+  <mc:AlternateContent xmlns:mc="http://schemas.openxmlformats.org/markup-compatibility/2006" xmlns:p14="http://schemas.microsoft.com/office/powerpoint/2010/main">
+    <mc:Choice Requires="p14">
       <p:transition p14:dur="0"/>
     </mc:Choice>
-    <mc:Fallback>
+    <mc:Fallback xmlns="">
       <p:transition/>
     </mc:Fallback>
   </mc:AlternateContent>
@@ -31494,7 +31422,7 @@
         <p:spPr>
           <a:xfrm>
             <a:off x="269239" y="1189177"/>
-            <a:ext cx="11653523" cy="6271397"/>
+            <a:ext cx="11653523" cy="4370427"/>
           </a:xfrm>
         </p:spPr>
         <p:txBody>
@@ -31508,7 +31436,18 @@
             </a:pPr>
             <a:r>
               <a:rPr lang="es-AR" sz="3200" dirty="0" smtClean="0"/>
-              <a:t>Sistemas computacionales que se vuelven más inteligentes con la “experiencia”</a:t>
+              <a:t>Se basa en la inducción sobre modelos complejos (no lineales)</a:t>
+            </a:r>
+          </a:p>
+          <a:p>
+            <a:pPr>
+              <a:lnSpc>
+                <a:spcPct val="100000"/>
+              </a:lnSpc>
+            </a:pPr>
+            <a:r>
+              <a:rPr lang="es-AR" sz="3200" dirty="0" smtClean="0"/>
+              <a:t>Útil para Big Data</a:t>
             </a:r>
           </a:p>
           <a:p>
@@ -31519,7 +31458,7 @@
             </a:pPr>
             <a:r>
               <a:rPr lang="es-AR" sz="1800" dirty="0" smtClean="0"/>
-              <a:t>Experiencia = datos pasados + input humano</a:t>
+              <a:t>Para descubrir patrones en los datos</a:t>
             </a:r>
           </a:p>
           <a:p>
@@ -31530,7 +31469,26 @@
             </a:pPr>
             <a:r>
               <a:rPr lang="es-AR" sz="1800" dirty="0" smtClean="0"/>
-              <a:t>Son capaces de adaptarse independientemente y “aprender”</a:t>
+              <a:t>Para predecir resultados (</a:t>
+            </a:r>
+            <a:r>
+              <a:rPr lang="es-AR" sz="1800" dirty="0" err="1" smtClean="0"/>
+              <a:t>insights</a:t>
+            </a:r>
+            <a:r>
+              <a:rPr lang="es-AR" sz="1800" dirty="0" smtClean="0"/>
+              <a:t>) y ayudar a tomar mejores decisiones de negocio</a:t>
+            </a:r>
+          </a:p>
+          <a:p>
+            <a:pPr>
+              <a:lnSpc>
+                <a:spcPct val="100000"/>
+              </a:lnSpc>
+            </a:pPr>
+            <a:r>
+              <a:rPr lang="es-AR" sz="3200" dirty="0" smtClean="0"/>
+              <a:t>Tres grandes categorías</a:t>
             </a:r>
           </a:p>
           <a:p>
@@ -31539,7 +31497,32 @@
                 <a:spcPct val="100000"/>
               </a:lnSpc>
             </a:pPr>
-            <a:endParaRPr lang="es-AR" sz="1800" dirty="0" smtClean="0"/>
+            <a:r>
+              <a:rPr lang="es-AR" sz="1800" dirty="0" smtClean="0"/>
+              <a:t>Aprendizaje supervisado</a:t>
+            </a:r>
+          </a:p>
+          <a:p>
+            <a:pPr lvl="1">
+              <a:lnSpc>
+                <a:spcPct val="100000"/>
+              </a:lnSpc>
+            </a:pPr>
+            <a:r>
+              <a:rPr lang="es-AR" sz="1800" dirty="0" smtClean="0"/>
+              <a:t>Aprendizaje no supervisado</a:t>
+            </a:r>
+          </a:p>
+          <a:p>
+            <a:pPr lvl="1">
+              <a:lnSpc>
+                <a:spcPct val="100000"/>
+              </a:lnSpc>
+            </a:pPr>
+            <a:r>
+              <a:rPr lang="es-AR" sz="1800" dirty="0" smtClean="0"/>
+              <a:t>Aprendizaje por refuerzo</a:t>
+            </a:r>
           </a:p>
           <a:p>
             <a:pPr>
@@ -31548,8 +31531,16 @@
               </a:lnSpc>
             </a:pPr>
             <a:r>
-              <a:rPr lang="es-AR" sz="3200" dirty="0" smtClean="0"/>
-              <a:t>Utiliza algoritmos que aprenden de los datos sin la necesidad de programar reglas individuales</a:t>
+              <a:rPr lang="es-AR" sz="2800" dirty="0" smtClean="0"/>
+              <a:t>Técnicas: clasificación, </a:t>
+            </a:r>
+            <a:r>
+              <a:rPr lang="es-AR" sz="2800" dirty="0" err="1" smtClean="0"/>
+              <a:t>clustering</a:t>
+            </a:r>
+            <a:r>
+              <a:rPr lang="es-AR" sz="2800" dirty="0" smtClean="0"/>
+              <a:t>, regresión (predicción)</a:t>
             </a:r>
           </a:p>
           <a:p>
@@ -31559,62 +31550,11 @@
               </a:lnSpc>
             </a:pPr>
             <a:r>
-              <a:rPr lang="es-AR" sz="1800" dirty="0" smtClean="0"/>
-              <a:t>Objetivo: </a:t>
-            </a:r>
-            <a:r>
-              <a:rPr lang="es-AR" sz="1800" b="1" dirty="0" smtClean="0"/>
-              <a:t>predecir</a:t>
-            </a:r>
-            <a:r>
-              <a:rPr lang="es-AR" sz="1800" dirty="0" smtClean="0"/>
-              <a:t> cual sería el resultado mas probable (</a:t>
-            </a:r>
-            <a:r>
-              <a:rPr lang="es-AR" sz="1800" dirty="0" err="1" smtClean="0"/>
-              <a:t>insights</a:t>
-            </a:r>
-            <a:r>
-              <a:rPr lang="es-AR" sz="1800" dirty="0" smtClean="0"/>
-              <a:t>)</a:t>
-            </a:r>
-          </a:p>
-          <a:p>
-            <a:pPr lvl="1">
-              <a:lnSpc>
-                <a:spcPct val="100000"/>
-              </a:lnSpc>
-            </a:pPr>
-            <a:endParaRPr lang="es-AR" sz="1800" dirty="0" smtClean="0"/>
-          </a:p>
-          <a:p>
-            <a:pPr>
-              <a:lnSpc>
-                <a:spcPct val="100000"/>
-              </a:lnSpc>
-            </a:pPr>
-            <a:r>
-              <a:rPr lang="es-AR" sz="3200" dirty="0" smtClean="0"/>
-              <a:t>Útil en casos donde no es factible diseñar o programar algoritmos explícitos</a:t>
-            </a:r>
-          </a:p>
-          <a:p>
-            <a:pPr lvl="1">
-              <a:lnSpc>
-                <a:spcPct val="100000"/>
-              </a:lnSpc>
-            </a:pPr>
-            <a:r>
-              <a:rPr lang="es-AR" sz="1800" dirty="0" smtClean="0"/>
-              <a:t>Cuando las decisiones tomados en base a grandes cantidades de datos tienden a ser las mejores decisiones</a:t>
-            </a:r>
-          </a:p>
-          <a:p>
-            <a:pPr>
-              <a:buFont typeface="Courier New" panose="02070309020205020404" pitchFamily="49" charset="0"/>
-              <a:buChar char="o"/>
-            </a:pPr>
-            <a:endParaRPr lang="en-US" dirty="0"/>
+              <a:rPr lang="es-AR" sz="1800" dirty="0" smtClean="0">
+                <a:sym typeface="Wingdings" panose="05000000000000000000" pitchFamily="2" charset="2"/>
+              </a:rPr>
+              <a:t>Son abstracciones de datos</a:t>
+            </a:r>
           </a:p>
         </p:txBody>
       </p:sp>
@@ -31634,20 +31574,12 @@
           <a:lstStyle/>
           <a:p>
             <a:r>
-              <a:rPr lang="en-US" dirty="0">
-                <a:solidFill>
-                  <a:srgbClr val="9B4F96"/>
-                </a:solidFill>
-              </a:rPr>
-              <a:t>¿</a:t>
-            </a:r>
-            <a:r>
               <a:rPr lang="en-US" dirty="0" err="1" smtClean="0">
                 <a:solidFill>
                   <a:srgbClr val="9B4F96"/>
                 </a:solidFill>
               </a:rPr>
-              <a:t>Qué</a:t>
+              <a:t>Usos</a:t>
             </a:r>
             <a:r>
               <a:rPr lang="en-US" dirty="0" smtClean="0">
@@ -31655,23 +31587,7 @@
                   <a:srgbClr val="9B4F96"/>
                 </a:solidFill>
               </a:rPr>
-              <a:t> </a:t>
-            </a:r>
-            <a:r>
-              <a:rPr lang="en-US" dirty="0" err="1" smtClean="0">
-                <a:solidFill>
-                  <a:srgbClr val="9B4F96"/>
-                </a:solidFill>
-              </a:rPr>
-              <a:t>es</a:t>
-            </a:r>
-            <a:r>
-              <a:rPr lang="en-US" dirty="0" smtClean="0">
-                <a:solidFill>
-                  <a:srgbClr val="9B4F96"/>
-                </a:solidFill>
-              </a:rPr>
-              <a:t> Machine Learning?</a:t>
+              <a:t> de Machine Learning</a:t>
             </a:r>
             <a:endParaRPr lang="en-US" dirty="0">
               <a:solidFill>
@@ -31684,7 +31600,7 @@
     </p:spTree>
     <p:extLst>
       <p:ext uri="{BB962C8B-B14F-4D97-AF65-F5344CB8AC3E}">
-        <p14:creationId xmlns:p14="http://schemas.microsoft.com/office/powerpoint/2010/main" val="1733806203"/>
+        <p14:creationId xmlns:p14="http://schemas.microsoft.com/office/powerpoint/2010/main" val="3196234812"/>
       </p:ext>
     </p:extLst>
   </p:cSld>
@@ -31728,156 +31644,7 @@
       </p:grpSpPr>
       <p:sp>
         <p:nvSpPr>
-          <p:cNvPr id="3" name="Content Placeholder 2"/>
-          <p:cNvSpPr>
-            <a:spLocks noGrp="1"/>
-          </p:cNvSpPr>
-          <p:nvPr>
-            <p:ph type="body" sz="quarter" idx="10"/>
-          </p:nvPr>
-        </p:nvSpPr>
-        <p:spPr>
-          <a:xfrm>
-            <a:off x="269239" y="1189177"/>
-            <a:ext cx="11653523" cy="4370427"/>
-          </a:xfrm>
-        </p:spPr>
-        <p:txBody>
-          <a:bodyPr/>
-          <a:lstStyle/>
-          <a:p>
-            <a:pPr>
-              <a:lnSpc>
-                <a:spcPct val="100000"/>
-              </a:lnSpc>
-            </a:pPr>
-            <a:r>
-              <a:rPr lang="es-AR" sz="3200" dirty="0" smtClean="0"/>
-              <a:t>Se basa en la inducción sobre modelos complejos (no lineales)</a:t>
-            </a:r>
-          </a:p>
-          <a:p>
-            <a:pPr>
-              <a:lnSpc>
-                <a:spcPct val="100000"/>
-              </a:lnSpc>
-            </a:pPr>
-            <a:r>
-              <a:rPr lang="es-AR" sz="3200" dirty="0" smtClean="0"/>
-              <a:t>Útil para Big Data</a:t>
-            </a:r>
-          </a:p>
-          <a:p>
-            <a:pPr lvl="1">
-              <a:lnSpc>
-                <a:spcPct val="100000"/>
-              </a:lnSpc>
-            </a:pPr>
-            <a:r>
-              <a:rPr lang="es-AR" sz="1800" dirty="0" smtClean="0"/>
-              <a:t>Para descubrir patrones en los datos</a:t>
-            </a:r>
-          </a:p>
-          <a:p>
-            <a:pPr lvl="1">
-              <a:lnSpc>
-                <a:spcPct val="100000"/>
-              </a:lnSpc>
-            </a:pPr>
-            <a:r>
-              <a:rPr lang="es-AR" sz="1800" dirty="0" smtClean="0"/>
-              <a:t>Para predecir resultados (</a:t>
-            </a:r>
-            <a:r>
-              <a:rPr lang="es-AR" sz="1800" dirty="0" err="1" smtClean="0"/>
-              <a:t>insights</a:t>
-            </a:r>
-            <a:r>
-              <a:rPr lang="es-AR" sz="1800" dirty="0" smtClean="0"/>
-              <a:t>) y ayudar a tomar mejores decisiones de negocio</a:t>
-            </a:r>
-          </a:p>
-          <a:p>
-            <a:pPr>
-              <a:lnSpc>
-                <a:spcPct val="100000"/>
-              </a:lnSpc>
-            </a:pPr>
-            <a:r>
-              <a:rPr lang="es-AR" sz="3200" dirty="0" smtClean="0"/>
-              <a:t>Tres grandes categorías</a:t>
-            </a:r>
-          </a:p>
-          <a:p>
-            <a:pPr lvl="1">
-              <a:lnSpc>
-                <a:spcPct val="100000"/>
-              </a:lnSpc>
-            </a:pPr>
-            <a:r>
-              <a:rPr lang="es-AR" sz="1800" dirty="0" smtClean="0"/>
-              <a:t>Aprendizaje supervisado</a:t>
-            </a:r>
-          </a:p>
-          <a:p>
-            <a:pPr lvl="1">
-              <a:lnSpc>
-                <a:spcPct val="100000"/>
-              </a:lnSpc>
-            </a:pPr>
-            <a:r>
-              <a:rPr lang="es-AR" sz="1800" dirty="0" smtClean="0"/>
-              <a:t>Aprendizaje no supervisado</a:t>
-            </a:r>
-          </a:p>
-          <a:p>
-            <a:pPr lvl="1">
-              <a:lnSpc>
-                <a:spcPct val="100000"/>
-              </a:lnSpc>
-            </a:pPr>
-            <a:r>
-              <a:rPr lang="es-AR" sz="1800" dirty="0" smtClean="0"/>
-              <a:t>Aprendizaje por refuerzo</a:t>
-            </a:r>
-          </a:p>
-          <a:p>
-            <a:pPr>
-              <a:lnSpc>
-                <a:spcPct val="100000"/>
-              </a:lnSpc>
-            </a:pPr>
-            <a:r>
-              <a:rPr lang="es-AR" sz="2800" dirty="0" smtClean="0"/>
-              <a:t>Técnicas: clasificación, </a:t>
-            </a:r>
-            <a:r>
-              <a:rPr lang="es-AR" sz="2800" dirty="0" err="1" smtClean="0"/>
-              <a:t>clustering</a:t>
-            </a:r>
-            <a:r>
-              <a:rPr lang="es-AR" sz="2800" dirty="0" smtClean="0"/>
-              <a:t>, regresión (predicción)</a:t>
-            </a:r>
-          </a:p>
-          <a:p>
-            <a:pPr lvl="1">
-              <a:lnSpc>
-                <a:spcPct val="100000"/>
-              </a:lnSpc>
-            </a:pPr>
-            <a:r>
-              <a:rPr lang="es-AR" sz="1800" dirty="0" smtClean="0">
-                <a:sym typeface="Wingdings" panose="05000000000000000000" pitchFamily="2" charset="2"/>
-              </a:rPr>
-              <a:t>Son abstracciones de datos</a:t>
-            </a:r>
-          </a:p>
-        </p:txBody>
-      </p:sp>
-      <p:sp>
-        <p:nvSpPr>
-          <p:cNvPr id="2" name="Title 1"/>
+          <p:cNvPr id="4" name="Title 3"/>
           <p:cNvSpPr>
             <a:spLocks noGrp="1"/>
           </p:cNvSpPr>
@@ -31891,33 +31658,17 @@
           <a:lstStyle/>
           <a:p>
             <a:r>
-              <a:rPr lang="en-US" dirty="0" err="1" smtClean="0">
-                <a:solidFill>
-                  <a:srgbClr val="9B4F96"/>
-                </a:solidFill>
-              </a:rPr>
-              <a:t>Usos</a:t>
-            </a:r>
-            <a:r>
-              <a:rPr lang="en-US" dirty="0" smtClean="0">
-                <a:solidFill>
-                  <a:srgbClr val="9B4F96"/>
-                </a:solidFill>
-              </a:rPr>
-              <a:t> de Machine Learning</a:t>
-            </a:r>
-            <a:endParaRPr lang="en-US" dirty="0">
-              <a:solidFill>
-                <a:srgbClr val="9B4F96"/>
-              </a:solidFill>
-            </a:endParaRPr>
+              <a:rPr lang="en-US" dirty="0" smtClean="0"/>
+              <a:t>Ejemplos</a:t>
+            </a:r>
+            <a:endParaRPr lang="en-US" dirty="0"/>
           </a:p>
         </p:txBody>
       </p:sp>
     </p:spTree>
     <p:extLst>
       <p:ext uri="{BB962C8B-B14F-4D97-AF65-F5344CB8AC3E}">
-        <p14:creationId xmlns:p14="http://schemas.microsoft.com/office/powerpoint/2010/main" val="3196234812"/>
+        <p14:creationId xmlns:p14="http://schemas.microsoft.com/office/powerpoint/2010/main" val="3928593511"/>
       </p:ext>
     </p:extLst>
   </p:cSld>
@@ -31961,74 +31712,6 @@
       </p:grpSpPr>
       <p:sp>
         <p:nvSpPr>
-          <p:cNvPr id="4" name="Title 3"/>
-          <p:cNvSpPr>
-            <a:spLocks noGrp="1"/>
-          </p:cNvSpPr>
-          <p:nvPr>
-            <p:ph type="title"/>
-          </p:nvPr>
-        </p:nvSpPr>
-        <p:spPr/>
-        <p:txBody>
-          <a:bodyPr/>
-          <a:lstStyle/>
-          <a:p>
-            <a:r>
-              <a:rPr lang="en-US" dirty="0" smtClean="0"/>
-              <a:t>Ejemplos</a:t>
-            </a:r>
-            <a:endParaRPr lang="en-US" dirty="0"/>
-          </a:p>
-        </p:txBody>
-      </p:sp>
-    </p:spTree>
-    <p:extLst>
-      <p:ext uri="{BB962C8B-B14F-4D97-AF65-F5344CB8AC3E}">
-        <p14:creationId xmlns:p14="http://schemas.microsoft.com/office/powerpoint/2010/main" val="3928593511"/>
-      </p:ext>
-    </p:extLst>
-  </p:cSld>
-  <p:clrMapOvr>
-    <a:masterClrMapping/>
-  </p:clrMapOvr>
-  <mc:AlternateContent xmlns:mc="http://schemas.openxmlformats.org/markup-compatibility/2006">
-    <mc:Choice xmlns:p14="http://schemas.microsoft.com/office/powerpoint/2010/main" Requires="p14">
-      <p:transition p14:dur="0"/>
-    </mc:Choice>
-    <mc:Fallback>
-      <p:transition/>
-    </mc:Fallback>
-  </mc:AlternateContent>
-  <p:timing>
-    <p:tnLst>
-      <p:par>
-        <p:cTn id="1" dur="indefinite" restart="never" nodeType="tmRoot"/>
-      </p:par>
-    </p:tnLst>
-  </p:timing>
-</p:sld>
-</file>
-
-<file path=ppt/slides/slide7.xml><?xml version="1.0" encoding="utf-8"?>
-<p:sld xmlns:a="http://schemas.openxmlformats.org/drawingml/2006/main" xmlns:r="http://schemas.openxmlformats.org/officeDocument/2006/relationships" xmlns:p="http://schemas.openxmlformats.org/presentationml/2006/main">
-  <p:cSld>
-    <p:spTree>
-      <p:nvGrpSpPr>
-        <p:cNvPr id="1" name=""/>
-        <p:cNvGrpSpPr/>
-        <p:nvPr/>
-      </p:nvGrpSpPr>
-      <p:grpSpPr>
-        <a:xfrm>
-          <a:off x="0" y="0"/>
-          <a:ext cx="0" cy="0"/>
-          <a:chOff x="0" y="0"/>
-          <a:chExt cx="0" cy="0"/>
-        </a:xfrm>
-      </p:grpSpPr>
-      <p:sp>
-        <p:nvSpPr>
           <p:cNvPr id="3" name="Content Placeholder 2"/>
           <p:cNvSpPr>
             <a:spLocks noGrp="1"/>
@@ -32247,7 +31930,7 @@
 </p:sld>
 </file>
 
-<file path=ppt/slides/slide8.xml><?xml version="1.0" encoding="utf-8"?>
+<file path=ppt/slides/slide7.xml><?xml version="1.0" encoding="utf-8"?>
 <p:sld xmlns:a="http://schemas.openxmlformats.org/drawingml/2006/main" xmlns:r="http://schemas.openxmlformats.org/officeDocument/2006/relationships" xmlns:p="http://schemas.openxmlformats.org/presentationml/2006/main">
   <p:cSld>
     <p:spTree>
@@ -32449,11 +32132,101 @@
   <p:clrMapOvr>
     <a:masterClrMapping/>
   </p:clrMapOvr>
-  <mc:AlternateContent xmlns:mc="http://schemas.openxmlformats.org/markup-compatibility/2006">
-    <mc:Choice xmlns:p14="http://schemas.microsoft.com/office/powerpoint/2010/main" Requires="p14">
+  <mc:AlternateContent xmlns:mc="http://schemas.openxmlformats.org/markup-compatibility/2006" xmlns:p14="http://schemas.microsoft.com/office/powerpoint/2010/main">
+    <mc:Choice Requires="p14">
       <p:transition p14:dur="0"/>
     </mc:Choice>
-    <mc:Fallback>
+    <mc:Fallback xmlns="">
+      <p:transition/>
+    </mc:Fallback>
+  </mc:AlternateContent>
+  <p:timing>
+    <p:tnLst>
+      <p:par>
+        <p:cTn id="1" dur="indefinite" restart="never" nodeType="tmRoot"/>
+      </p:par>
+    </p:tnLst>
+  </p:timing>
+</p:sld>
+</file>
+
+<file path=ppt/slides/slide8.xml><?xml version="1.0" encoding="utf-8"?>
+<p:sld xmlns:a="http://schemas.openxmlformats.org/drawingml/2006/main" xmlns:r="http://schemas.openxmlformats.org/officeDocument/2006/relationships" xmlns:p="http://schemas.openxmlformats.org/presentationml/2006/main">
+  <p:cSld>
+    <p:spTree>
+      <p:nvGrpSpPr>
+        <p:cNvPr id="1" name=""/>
+        <p:cNvGrpSpPr/>
+        <p:nvPr/>
+      </p:nvGrpSpPr>
+      <p:grpSpPr>
+        <a:xfrm>
+          <a:off x="0" y="0"/>
+          <a:ext cx="0" cy="0"/>
+          <a:chOff x="0" y="0"/>
+          <a:chExt cx="0" cy="0"/>
+        </a:xfrm>
+      </p:grpSpPr>
+      <p:sp>
+        <p:nvSpPr>
+          <p:cNvPr id="4" name="Title 3"/>
+          <p:cNvSpPr>
+            <a:spLocks noGrp="1"/>
+          </p:cNvSpPr>
+          <p:nvPr>
+            <p:ph type="title"/>
+          </p:nvPr>
+        </p:nvSpPr>
+        <p:spPr/>
+        <p:txBody>
+          <a:bodyPr/>
+          <a:lstStyle/>
+          <a:p>
+            <a:r>
+              <a:rPr lang="en-US" dirty="0" smtClean="0"/>
+              <a:t>Demo</a:t>
+            </a:r>
+            <a:endParaRPr lang="en-US" dirty="0"/>
+          </a:p>
+        </p:txBody>
+      </p:sp>
+      <p:sp>
+        <p:nvSpPr>
+          <p:cNvPr id="5" name="Text Placeholder 4"/>
+          <p:cNvSpPr>
+            <a:spLocks noGrp="1"/>
+          </p:cNvSpPr>
+          <p:nvPr>
+            <p:ph type="body" sz="quarter" idx="12"/>
+          </p:nvPr>
+        </p:nvSpPr>
+        <p:spPr/>
+        <p:txBody>
+          <a:bodyPr/>
+          <a:lstStyle/>
+          <a:p>
+            <a:r>
+              <a:rPr lang="en-US" dirty="0" smtClean="0"/>
+              <a:t>Creando un Web Service de Machine Learning</a:t>
+            </a:r>
+          </a:p>
+        </p:txBody>
+      </p:sp>
+    </p:spTree>
+    <p:extLst>
+      <p:ext uri="{BB962C8B-B14F-4D97-AF65-F5344CB8AC3E}">
+        <p14:creationId xmlns:p14="http://schemas.microsoft.com/office/powerpoint/2010/main" val="2739038826"/>
+      </p:ext>
+    </p:extLst>
+  </p:cSld>
+  <p:clrMapOvr>
+    <a:masterClrMapping/>
+  </p:clrMapOvr>
+  <mc:AlternateContent xmlns:mc="http://schemas.openxmlformats.org/markup-compatibility/2006" xmlns:p14="http://schemas.microsoft.com/office/powerpoint/2010/main">
+    <mc:Choice Requires="p14">
+      <p:transition p14:dur="0"/>
+    </mc:Choice>
+    <mc:Fallback xmlns="">
       <p:transition/>
     </mc:Fallback>
   </mc:AlternateContent>
@@ -32486,7 +32259,82 @@
       </p:grpSpPr>
       <p:sp>
         <p:nvSpPr>
-          <p:cNvPr id="4" name="Title 3"/>
+          <p:cNvPr id="3" name="Content Placeholder 2"/>
+          <p:cNvSpPr>
+            <a:spLocks noGrp="1"/>
+          </p:cNvSpPr>
+          <p:nvPr>
+            <p:ph type="body" sz="quarter" idx="10"/>
+          </p:nvPr>
+        </p:nvSpPr>
+        <p:spPr>
+          <a:xfrm>
+            <a:off x="838200" y="1825625"/>
+            <a:ext cx="10515600" cy="4347922"/>
+          </a:xfrm>
+          <a:prstGeom prst="rect">
+            <a:avLst/>
+          </a:prstGeom>
+        </p:spPr>
+        <p:txBody>
+          <a:bodyPr/>
+          <a:lstStyle/>
+          <a:p>
+            <a:pPr>
+              <a:buFont typeface="Arial" panose="020B0604020202020204" pitchFamily="34" charset="0"/>
+              <a:buChar char="•"/>
+            </a:pPr>
+            <a:r>
+              <a:rPr lang="es-AR" dirty="0" err="1" smtClean="0"/>
+              <a:t>Dataset</a:t>
+            </a:r>
+            <a:r>
+              <a:rPr lang="es-AR" dirty="0" smtClean="0"/>
+              <a:t> de la UCI de Tarjetas de crédito de Alemania: 1000 filas de datos.</a:t>
+            </a:r>
+          </a:p>
+          <a:p>
+            <a:pPr>
+              <a:buFont typeface="Arial" panose="020B0604020202020204" pitchFamily="34" charset="0"/>
+              <a:buChar char="•"/>
+            </a:pPr>
+            <a:r>
+              <a:rPr lang="es-AR" dirty="0" smtClean="0"/>
+              <a:t>Los clientes del banco solicitan créditos, y el modelo tiene que predecir si la operación es de alto o bajo riesgo.</a:t>
+            </a:r>
+          </a:p>
+          <a:p>
+            <a:pPr lvl="1">
+              <a:buFont typeface="Wingdings" panose="05000000000000000000" pitchFamily="2" charset="2"/>
+              <a:buChar char="Ø"/>
+            </a:pPr>
+            <a:r>
+              <a:rPr lang="es-AR" sz="3921" dirty="0" smtClean="0">
+                <a:latin typeface="+mj-lt"/>
+              </a:rPr>
+              <a:t> “1” es bajo riesgo</a:t>
+            </a:r>
+          </a:p>
+          <a:p>
+            <a:pPr lvl="1">
+              <a:buFont typeface="Wingdings" panose="05000000000000000000" pitchFamily="2" charset="2"/>
+              <a:buChar char="Ø"/>
+            </a:pPr>
+            <a:r>
+              <a:rPr lang="es-AR" sz="3921" dirty="0" smtClean="0">
+                <a:latin typeface="+mj-lt"/>
+              </a:rPr>
+              <a:t> “2” es alto riesgo</a:t>
+            </a:r>
+            <a:endParaRPr lang="es-AR" sz="3921" dirty="0">
+              <a:latin typeface="+mj-lt"/>
+            </a:endParaRPr>
+          </a:p>
+        </p:txBody>
+      </p:sp>
+      <p:sp>
+        <p:nvSpPr>
+          <p:cNvPr id="2" name="Title 1"/>
           <p:cNvSpPr>
             <a:spLocks noGrp="1"/>
           </p:cNvSpPr>
@@ -32500,50 +32348,36 @@
           <a:lstStyle/>
           <a:p>
             <a:r>
-              <a:rPr lang="en-US" dirty="0" smtClean="0"/>
-              <a:t>Demo</a:t>
-            </a:r>
-            <a:endParaRPr lang="en-US" dirty="0"/>
-          </a:p>
-        </p:txBody>
-      </p:sp>
-      <p:sp>
-        <p:nvSpPr>
-          <p:cNvPr id="5" name="Text Placeholder 4"/>
-          <p:cNvSpPr>
-            <a:spLocks noGrp="1"/>
-          </p:cNvSpPr>
-          <p:nvPr>
-            <p:ph type="body" sz="quarter" idx="12"/>
-          </p:nvPr>
-        </p:nvSpPr>
-        <p:spPr/>
-        <p:txBody>
-          <a:bodyPr/>
-          <a:lstStyle/>
-          <a:p>
-            <a:r>
-              <a:rPr lang="en-US" dirty="0" smtClean="0"/>
-              <a:t>Creando un Web Service de Machine Learning</a:t>
-            </a:r>
+              <a:rPr lang="en-US" dirty="0" err="1" smtClean="0">
+                <a:solidFill>
+                  <a:srgbClr val="68217A"/>
+                </a:solidFill>
+              </a:rPr>
+              <a:t>Escenario</a:t>
+            </a:r>
+            <a:endParaRPr lang="en-US" dirty="0">
+              <a:solidFill>
+                <a:srgbClr val="68217A"/>
+              </a:solidFill>
+            </a:endParaRPr>
           </a:p>
         </p:txBody>
       </p:sp>
     </p:spTree>
     <p:extLst>
       <p:ext uri="{BB962C8B-B14F-4D97-AF65-F5344CB8AC3E}">
-        <p14:creationId xmlns:p14="http://schemas.microsoft.com/office/powerpoint/2010/main" val="2739038826"/>
+        <p14:creationId xmlns:p14="http://schemas.microsoft.com/office/powerpoint/2010/main" val="1438883929"/>
       </p:ext>
     </p:extLst>
   </p:cSld>
   <p:clrMapOvr>
     <a:masterClrMapping/>
   </p:clrMapOvr>
-  <mc:AlternateContent xmlns:mc="http://schemas.openxmlformats.org/markup-compatibility/2006">
-    <mc:Choice xmlns:p14="http://schemas.microsoft.com/office/powerpoint/2010/main" Requires="p14">
+  <mc:AlternateContent xmlns:mc="http://schemas.openxmlformats.org/markup-compatibility/2006" xmlns:p14="http://schemas.microsoft.com/office/powerpoint/2010/main">
+    <mc:Choice Requires="p14">
       <p:transition p14:dur="0"/>
     </mc:Choice>
-    <mc:Fallback>
+    <mc:Fallback xmlns="">
       <p:transition/>
     </mc:Fallback>
   </mc:AlternateContent>

--- a/Introduction to Azure Machine Learning - spanish.pptx
+++ b/Introduction to Azure Machine Learning - spanish.pptx
@@ -209,7 +209,7 @@
           <a:p>
             <a:fld id="{7E402BD2-B4BA-4330-8747-1DB2D9EC268B}" type="datetimeFigureOut">
               <a:rPr lang="en-US" smtClean="0"/>
-              <a:t>03/10/2015</a:t>
+              <a:t>12/10/2015</a:t>
             </a:fld>
             <a:endParaRPr lang="en-US"/>
           </a:p>
@@ -18612,7 +18612,7 @@
           <a:p>
             <a:fld id="{70D5C55E-1E1D-4EFE-8DF0-7DF6077102C2}" type="datetimeFigureOut">
               <a:rPr lang="en-US" smtClean="0"/>
-              <a:t>03/10/2015</a:t>
+              <a:t>12/10/2015</a:t>
             </a:fld>
             <a:endParaRPr lang="en-US"/>
           </a:p>
@@ -18874,7 +18874,7 @@
           <a:p>
             <a:fld id="{70D5C55E-1E1D-4EFE-8DF0-7DF6077102C2}" type="datetimeFigureOut">
               <a:rPr lang="en-US" smtClean="0"/>
-              <a:t>03/10/2015</a:t>
+              <a:t>12/10/2015</a:t>
             </a:fld>
             <a:endParaRPr lang="en-US"/>
           </a:p>
@@ -30879,9 +30879,27 @@
             </a:br>
             <a:r>
               <a:rPr lang="en-US" sz="8000" dirty="0" smtClean="0"/>
-              <a:t>Twitter Sentiment Analysis</a:t>
-            </a:r>
-            <a:endParaRPr lang="en-US" sz="8000" dirty="0"/>
+              <a:t>Twitter Sentiment </a:t>
+            </a:r>
+            <a:r>
+              <a:rPr lang="en-US" sz="8000" dirty="0" smtClean="0"/>
+              <a:t>Analysis</a:t>
+            </a:r>
+            <a:br>
+              <a:rPr lang="en-US" sz="8000" dirty="0" smtClean="0"/>
+            </a:br>
+            <a:r>
+              <a:rPr lang="en-US" sz="4400" dirty="0"/>
+              <a:t/>
+            </a:r>
+            <a:br>
+              <a:rPr lang="en-US" sz="4400" dirty="0"/>
+            </a:br>
+            <a:r>
+              <a:rPr lang="en-US" sz="4400" dirty="0"/>
+              <a:t>http://twittersentimentanalysisuy.azurewebsites.net/</a:t>
+            </a:r>
+            <a:endParaRPr lang="en-US" sz="4400" dirty="0"/>
           </a:p>
         </p:txBody>
       </p:sp>
